--- a/Master Folder/Lunar Phase Influence On Crime in Austin Texas.pptx
+++ b/Master Folder/Lunar Phase Influence On Crime in Austin Texas.pptx
@@ -9,15 +9,22 @@
     <p:sldId id="268" r:id="rId3"/>
     <p:sldId id="257" r:id="rId4"/>
     <p:sldId id="258" r:id="rId5"/>
-    <p:sldId id="266" r:id="rId6"/>
-    <p:sldId id="267" r:id="rId7"/>
-    <p:sldId id="259" r:id="rId8"/>
-    <p:sldId id="260" r:id="rId9"/>
-    <p:sldId id="261" r:id="rId10"/>
-    <p:sldId id="262" r:id="rId11"/>
-    <p:sldId id="263" r:id="rId12"/>
-    <p:sldId id="264" r:id="rId13"/>
-    <p:sldId id="265" r:id="rId14"/>
+    <p:sldId id="270" r:id="rId6"/>
+    <p:sldId id="266" r:id="rId7"/>
+    <p:sldId id="267" r:id="rId8"/>
+    <p:sldId id="259" r:id="rId9"/>
+    <p:sldId id="260" r:id="rId10"/>
+    <p:sldId id="261" r:id="rId11"/>
+    <p:sldId id="262" r:id="rId12"/>
+    <p:sldId id="263" r:id="rId13"/>
+    <p:sldId id="264" r:id="rId14"/>
+    <p:sldId id="265" r:id="rId15"/>
+    <p:sldId id="274" r:id="rId16"/>
+    <p:sldId id="271" r:id="rId17"/>
+    <p:sldId id="269" r:id="rId18"/>
+    <p:sldId id="272" r:id="rId19"/>
+    <p:sldId id="273" r:id="rId20"/>
+    <p:sldId id="275" r:id="rId21"/>
   </p:sldIdLst>
   <p:sldSz cx="12192000" cy="6858000"/>
   <p:notesSz cx="6858000" cy="9144000"/>
@@ -116,6 +123,11 @@
       </a:defRPr>
     </a:lvl9pPr>
   </p:defaultTextStyle>
+  <p:extLst>
+    <p:ext uri="{EFAFB233-063F-42B5-8137-9DF3F51BA10A}">
+      <p15:sldGuideLst xmlns:p15="http://schemas.microsoft.com/office/powerpoint/2012/main"/>
+    </p:ext>
+  </p:extLst>
 </p:presentation>
 </file>
 
@@ -349,7 +361,7 @@
             <a:fld id="{B61BEF0D-F0BB-DE4B-95CE-6DB70DBA9567}" type="datetimeFigureOut">
               <a:rPr lang="en-US" dirty="0"/>
               <a:pPr/>
-              <a:t>3/11/2021</a:t>
+              <a:t>3/12/21</a:t>
             </a:fld>
             <a:endParaRPr lang="en-US" dirty="0"/>
           </a:p>
@@ -680,7 +692,7 @@
             <a:fld id="{B61BEF0D-F0BB-DE4B-95CE-6DB70DBA9567}" type="datetimeFigureOut">
               <a:rPr lang="en-US" dirty="0"/>
               <a:pPr/>
-              <a:t>3/11/2021</a:t>
+              <a:t>3/12/21</a:t>
             </a:fld>
             <a:endParaRPr lang="en-US" dirty="0"/>
           </a:p>
@@ -955,7 +967,7 @@
             <a:fld id="{B61BEF0D-F0BB-DE4B-95CE-6DB70DBA9567}" type="datetimeFigureOut">
               <a:rPr lang="en-US" dirty="0"/>
               <a:pPr/>
-              <a:t>3/11/2021</a:t>
+              <a:t>3/12/21</a:t>
             </a:fld>
             <a:endParaRPr lang="en-US" dirty="0"/>
           </a:p>
@@ -1520,7 +1532,7 @@
             <a:fld id="{B61BEF0D-F0BB-DE4B-95CE-6DB70DBA9567}" type="datetimeFigureOut">
               <a:rPr lang="en-US" dirty="0"/>
               <a:pPr/>
-              <a:t>3/11/2021</a:t>
+              <a:t>3/12/21</a:t>
             </a:fld>
             <a:endParaRPr lang="en-US" dirty="0"/>
           </a:p>
@@ -1795,7 +1807,7 @@
             <a:fld id="{B61BEF0D-F0BB-DE4B-95CE-6DB70DBA9567}" type="datetimeFigureOut">
               <a:rPr lang="en-US" dirty="0"/>
               <a:pPr/>
-              <a:t>3/11/2021</a:t>
+              <a:t>3/12/21</a:t>
             </a:fld>
             <a:endParaRPr lang="en-US" dirty="0"/>
           </a:p>
@@ -2354,7 +2366,7 @@
             <a:fld id="{B61BEF0D-F0BB-DE4B-95CE-6DB70DBA9567}" type="datetimeFigureOut">
               <a:rPr lang="en-US" dirty="0"/>
               <a:pPr/>
-              <a:t>3/11/2021</a:t>
+              <a:t>3/12/21</a:t>
             </a:fld>
             <a:endParaRPr lang="en-US" dirty="0"/>
           </a:p>
@@ -2678,7 +2690,7 @@
             <a:fld id="{B61BEF0D-F0BB-DE4B-95CE-6DB70DBA9567}" type="datetimeFigureOut">
               <a:rPr lang="en-US" dirty="0"/>
               <a:pPr/>
-              <a:t>3/11/2021</a:t>
+              <a:t>3/12/21</a:t>
             </a:fld>
             <a:endParaRPr lang="en-US" dirty="0"/>
           </a:p>
@@ -2852,7 +2864,7 @@
             <a:fld id="{B61BEF0D-F0BB-DE4B-95CE-6DB70DBA9567}" type="datetimeFigureOut">
               <a:rPr lang="en-US" dirty="0"/>
               <a:pPr/>
-              <a:t>3/11/2021</a:t>
+              <a:t>3/12/21</a:t>
             </a:fld>
             <a:endParaRPr lang="en-US" dirty="0"/>
           </a:p>
@@ -3087,7 +3099,7 @@
             <a:fld id="{B61BEF0D-F0BB-DE4B-95CE-6DB70DBA9567}" type="datetimeFigureOut">
               <a:rPr lang="en-US" dirty="0"/>
               <a:pPr/>
-              <a:t>3/11/2021</a:t>
+              <a:t>3/12/21</a:t>
             </a:fld>
             <a:endParaRPr lang="en-US" dirty="0"/>
           </a:p>
@@ -3284,7 +3296,7 @@
             <a:fld id="{B61BEF0D-F0BB-DE4B-95CE-6DB70DBA9567}" type="datetimeFigureOut">
               <a:rPr lang="en-US" dirty="0"/>
               <a:pPr/>
-              <a:t>3/11/2021</a:t>
+              <a:t>3/12/21</a:t>
             </a:fld>
             <a:endParaRPr lang="en-US" dirty="0"/>
           </a:p>
@@ -3557,7 +3569,7 @@
             <a:fld id="{B61BEF0D-F0BB-DE4B-95CE-6DB70DBA9567}" type="datetimeFigureOut">
               <a:rPr lang="en-US" dirty="0"/>
               <a:pPr/>
-              <a:t>3/11/2021</a:t>
+              <a:t>3/12/21</a:t>
             </a:fld>
             <a:endParaRPr lang="en-US" dirty="0"/>
           </a:p>
@@ -3820,7 +3832,7 @@
             <a:fld id="{B61BEF0D-F0BB-DE4B-95CE-6DB70DBA9567}" type="datetimeFigureOut">
               <a:rPr lang="en-US" dirty="0"/>
               <a:pPr/>
-              <a:t>3/11/2021</a:t>
+              <a:t>3/12/21</a:t>
             </a:fld>
             <a:endParaRPr lang="en-US" dirty="0"/>
           </a:p>
@@ -4191,7 +4203,7 @@
             <a:fld id="{B61BEF0D-F0BB-DE4B-95CE-6DB70DBA9567}" type="datetimeFigureOut">
               <a:rPr lang="en-US" dirty="0"/>
               <a:pPr/>
-              <a:t>3/11/2021</a:t>
+              <a:t>3/12/21</a:t>
             </a:fld>
             <a:endParaRPr lang="en-US" dirty="0"/>
           </a:p>
@@ -4336,7 +4348,7 @@
             <a:fld id="{B61BEF0D-F0BB-DE4B-95CE-6DB70DBA9567}" type="datetimeFigureOut">
               <a:rPr lang="en-US" dirty="0"/>
               <a:pPr/>
-              <a:t>3/11/2021</a:t>
+              <a:t>3/12/21</a:t>
             </a:fld>
             <a:endParaRPr lang="en-US" dirty="0"/>
           </a:p>
@@ -4458,7 +4470,7 @@
             <a:fld id="{B61BEF0D-F0BB-DE4B-95CE-6DB70DBA9567}" type="datetimeFigureOut">
               <a:rPr lang="en-US" dirty="0"/>
               <a:pPr/>
-              <a:t>3/11/2021</a:t>
+              <a:t>3/12/21</a:t>
             </a:fld>
             <a:endParaRPr lang="en-US" dirty="0"/>
           </a:p>
@@ -4740,7 +4752,7 @@
             <a:fld id="{B61BEF0D-F0BB-DE4B-95CE-6DB70DBA9567}" type="datetimeFigureOut">
               <a:rPr lang="en-US" dirty="0"/>
               <a:pPr/>
-              <a:t>3/11/2021</a:t>
+              <a:t>3/12/21</a:t>
             </a:fld>
             <a:endParaRPr lang="en-US" dirty="0"/>
           </a:p>
@@ -5061,7 +5073,7 @@
             <a:fld id="{B61BEF0D-F0BB-DE4B-95CE-6DB70DBA9567}" type="datetimeFigureOut">
               <a:rPr lang="en-US" dirty="0"/>
               <a:pPr/>
-              <a:t>3/11/2021</a:t>
+              <a:t>3/12/21</a:t>
             </a:fld>
             <a:endParaRPr lang="en-US" dirty="0"/>
           </a:p>
@@ -5272,7 +5284,7 @@
             <a:fld id="{B61BEF0D-F0BB-DE4B-95CE-6DB70DBA9567}" type="datetimeFigureOut">
               <a:rPr lang="en-US" dirty="0"/>
               <a:pPr/>
-              <a:t>3/11/2021</a:t>
+              <a:t>3/12/21</a:t>
             </a:fld>
             <a:endParaRPr lang="en-US" dirty="0"/>
           </a:p>
@@ -5909,7 +5921,7 @@
           <p:cNvPr id="2" name="Title 1">
             <a:extLst>
               <a:ext uri="{FF2B5EF4-FFF2-40B4-BE49-F238E27FC236}">
-                <a16:creationId xmlns:a16="http://schemas.microsoft.com/office/drawing/2014/main" id="{246AAEFC-BBED-4422-9BF2-741680CEBE19}"/>
+                <a16:creationId xmlns:a16="http://schemas.microsoft.com/office/drawing/2014/main" id="{AA88A5F4-9F3C-4D83-85B6-F91D19F7CA56}"/>
               </a:ext>
             </a:extLst>
           </p:cNvPr>
@@ -5922,7 +5934,9 @@
         </p:nvSpPr>
         <p:spPr/>
         <p:txBody>
-          <a:bodyPr/>
+          <a:bodyPr>
+            <a:normAutofit fontScale="90000"/>
+          </a:bodyPr>
           <a:lstStyle/>
           <a:p>
             <a:r>
@@ -5930,8 +5944,11 @@
                 <a:effectLst/>
                 <a:latin typeface="Slack-Lato"/>
               </a:rPr>
-              <a:t>assault and intoxication crimes and theft</a:t>
-            </a:r>
+              <a:t>compare violent crime and nonviolent crime trends to see if one or the other changes with moon phase</a:t>
+            </a:r>
+            <a:br>
+              <a:rPr lang="en-US" dirty="0"/>
+            </a:br>
             <a:endParaRPr lang="en-US" dirty="0"/>
           </a:p>
         </p:txBody>
@@ -5941,7 +5958,7 @@
           <p:cNvPr id="3" name="Content Placeholder 2">
             <a:extLst>
               <a:ext uri="{FF2B5EF4-FFF2-40B4-BE49-F238E27FC236}">
-                <a16:creationId xmlns:a16="http://schemas.microsoft.com/office/drawing/2014/main" id="{249C8CB7-B321-4DAD-91B5-5FD605BF8D84}"/>
+                <a16:creationId xmlns:a16="http://schemas.microsoft.com/office/drawing/2014/main" id="{8A0FA189-5163-4F15-A6ED-B066DA6DFDC5}"/>
               </a:ext>
             </a:extLst>
           </p:cNvPr>
@@ -5957,14 +5974,14 @@
           <a:bodyPr/>
           <a:lstStyle/>
           <a:p>
-            <a:endParaRPr lang="en-US"/>
+            <a:endParaRPr lang="en-US" dirty="0"/>
           </a:p>
         </p:txBody>
       </p:sp>
     </p:spTree>
     <p:extLst>
       <p:ext uri="{BB962C8B-B14F-4D97-AF65-F5344CB8AC3E}">
-        <p14:creationId xmlns:p14="http://schemas.microsoft.com/office/powerpoint/2010/main" val="638100105"/>
+        <p14:creationId xmlns:p14="http://schemas.microsoft.com/office/powerpoint/2010/main" val="205302426"/>
       </p:ext>
     </p:extLst>
   </p:cSld>
@@ -5996,7 +6013,7 @@
           <p:cNvPr id="2" name="Title 1">
             <a:extLst>
               <a:ext uri="{FF2B5EF4-FFF2-40B4-BE49-F238E27FC236}">
-                <a16:creationId xmlns:a16="http://schemas.microsoft.com/office/drawing/2014/main" id="{A82D2AB7-1EE3-4EE4-9915-9591AE1622A8}"/>
+                <a16:creationId xmlns:a16="http://schemas.microsoft.com/office/drawing/2014/main" id="{246AAEFC-BBED-4422-9BF2-741680CEBE19}"/>
               </a:ext>
             </a:extLst>
           </p:cNvPr>
@@ -6017,7 +6034,7 @@
                 <a:effectLst/>
                 <a:latin typeface="Slack-Lato"/>
               </a:rPr>
-              <a:t>Relationship between random minor crimes to see if people acting stupid increases</a:t>
+              <a:t>assault and intoxication crimes and theft</a:t>
             </a:r>
             <a:endParaRPr lang="en-US" dirty="0"/>
           </a:p>
@@ -6028,7 +6045,7 @@
           <p:cNvPr id="3" name="Content Placeholder 2">
             <a:extLst>
               <a:ext uri="{FF2B5EF4-FFF2-40B4-BE49-F238E27FC236}">
-                <a16:creationId xmlns:a16="http://schemas.microsoft.com/office/drawing/2014/main" id="{89D501B8-AF98-4A15-BE3D-670C64D158F0}"/>
+                <a16:creationId xmlns:a16="http://schemas.microsoft.com/office/drawing/2014/main" id="{249C8CB7-B321-4DAD-91B5-5FD605BF8D84}"/>
               </a:ext>
             </a:extLst>
           </p:cNvPr>
@@ -6051,7 +6068,7 @@
     </p:spTree>
     <p:extLst>
       <p:ext uri="{BB962C8B-B14F-4D97-AF65-F5344CB8AC3E}">
-        <p14:creationId xmlns:p14="http://schemas.microsoft.com/office/powerpoint/2010/main" val="3983387328"/>
+        <p14:creationId xmlns:p14="http://schemas.microsoft.com/office/powerpoint/2010/main" val="638100105"/>
       </p:ext>
     </p:extLst>
   </p:cSld>
@@ -6083,7 +6100,7 @@
           <p:cNvPr id="2" name="Title 1">
             <a:extLst>
               <a:ext uri="{FF2B5EF4-FFF2-40B4-BE49-F238E27FC236}">
-                <a16:creationId xmlns:a16="http://schemas.microsoft.com/office/drawing/2014/main" id="{AF42E98D-1AA0-433F-BDA3-BDD038400B5A}"/>
+                <a16:creationId xmlns:a16="http://schemas.microsoft.com/office/drawing/2014/main" id="{A82D2AB7-1EE3-4EE4-9915-9591AE1622A8}"/>
               </a:ext>
             </a:extLst>
           </p:cNvPr>
@@ -6104,7 +6121,7 @@
                 <a:effectLst/>
                 <a:latin typeface="Slack-Lato"/>
               </a:rPr>
-              <a:t>split out crimes for individual correlations to see if one in particular is driving trends</a:t>
+              <a:t>Relationship between random minor crimes to see if people acting stupid increases</a:t>
             </a:r>
             <a:endParaRPr lang="en-US" dirty="0"/>
           </a:p>
@@ -6115,7 +6132,7 @@
           <p:cNvPr id="3" name="Content Placeholder 2">
             <a:extLst>
               <a:ext uri="{FF2B5EF4-FFF2-40B4-BE49-F238E27FC236}">
-                <a16:creationId xmlns:a16="http://schemas.microsoft.com/office/drawing/2014/main" id="{44CD2637-E077-420A-A67B-4742FB65C9AC}"/>
+                <a16:creationId xmlns:a16="http://schemas.microsoft.com/office/drawing/2014/main" id="{89D501B8-AF98-4A15-BE3D-670C64D158F0}"/>
               </a:ext>
             </a:extLst>
           </p:cNvPr>
@@ -6138,7 +6155,7 @@
     </p:spTree>
     <p:extLst>
       <p:ext uri="{BB962C8B-B14F-4D97-AF65-F5344CB8AC3E}">
-        <p14:creationId xmlns:p14="http://schemas.microsoft.com/office/powerpoint/2010/main" val="1467350442"/>
+        <p14:creationId xmlns:p14="http://schemas.microsoft.com/office/powerpoint/2010/main" val="3983387328"/>
       </p:ext>
     </p:extLst>
   </p:cSld>
@@ -6170,6 +6187,93 @@
           <p:cNvPr id="2" name="Title 1">
             <a:extLst>
               <a:ext uri="{FF2B5EF4-FFF2-40B4-BE49-F238E27FC236}">
+                <a16:creationId xmlns:a16="http://schemas.microsoft.com/office/drawing/2014/main" id="{AF42E98D-1AA0-433F-BDA3-BDD038400B5A}"/>
+              </a:ext>
+            </a:extLst>
+          </p:cNvPr>
+          <p:cNvSpPr>
+            <a:spLocks noGrp="1"/>
+          </p:cNvSpPr>
+          <p:nvPr>
+            <p:ph type="title"/>
+          </p:nvPr>
+        </p:nvSpPr>
+        <p:spPr/>
+        <p:txBody>
+          <a:bodyPr/>
+          <a:lstStyle/>
+          <a:p>
+            <a:r>
+              <a:rPr lang="en-US" b="0" i="0" dirty="0">
+                <a:effectLst/>
+                <a:latin typeface="Slack-Lato"/>
+              </a:rPr>
+              <a:t>split out crimes for individual correlations to see if one in particular is driving trends</a:t>
+            </a:r>
+            <a:endParaRPr lang="en-US" dirty="0"/>
+          </a:p>
+        </p:txBody>
+      </p:sp>
+      <p:sp>
+        <p:nvSpPr>
+          <p:cNvPr id="3" name="Content Placeholder 2">
+            <a:extLst>
+              <a:ext uri="{FF2B5EF4-FFF2-40B4-BE49-F238E27FC236}">
+                <a16:creationId xmlns:a16="http://schemas.microsoft.com/office/drawing/2014/main" id="{44CD2637-E077-420A-A67B-4742FB65C9AC}"/>
+              </a:ext>
+            </a:extLst>
+          </p:cNvPr>
+          <p:cNvSpPr>
+            <a:spLocks noGrp="1"/>
+          </p:cNvSpPr>
+          <p:nvPr>
+            <p:ph idx="1"/>
+          </p:nvPr>
+        </p:nvSpPr>
+        <p:spPr/>
+        <p:txBody>
+          <a:bodyPr/>
+          <a:lstStyle/>
+          <a:p>
+            <a:endParaRPr lang="en-US"/>
+          </a:p>
+        </p:txBody>
+      </p:sp>
+    </p:spTree>
+    <p:extLst>
+      <p:ext uri="{BB962C8B-B14F-4D97-AF65-F5344CB8AC3E}">
+        <p14:creationId xmlns:p14="http://schemas.microsoft.com/office/powerpoint/2010/main" val="1467350442"/>
+      </p:ext>
+    </p:extLst>
+  </p:cSld>
+  <p:clrMapOvr>
+    <a:masterClrMapping/>
+  </p:clrMapOvr>
+</p:sld>
+</file>
+
+<file path=ppt/slides/slide14.xml><?xml version="1.0" encoding="utf-8"?>
+<p:sld xmlns:a="http://schemas.openxmlformats.org/drawingml/2006/main" xmlns:r="http://schemas.openxmlformats.org/officeDocument/2006/relationships" xmlns:p="http://schemas.openxmlformats.org/presentationml/2006/main">
+  <p:cSld>
+    <p:spTree>
+      <p:nvGrpSpPr>
+        <p:cNvPr id="1" name=""/>
+        <p:cNvGrpSpPr/>
+        <p:nvPr/>
+      </p:nvGrpSpPr>
+      <p:grpSpPr>
+        <a:xfrm>
+          <a:off x="0" y="0"/>
+          <a:ext cx="0" cy="0"/>
+          <a:chOff x="0" y="0"/>
+          <a:chExt cx="0" cy="0"/>
+        </a:xfrm>
+      </p:grpSpPr>
+      <p:sp>
+        <p:nvSpPr>
+          <p:cNvPr id="2" name="Title 1">
+            <a:extLst>
+              <a:ext uri="{FF2B5EF4-FFF2-40B4-BE49-F238E27FC236}">
                 <a16:creationId xmlns:a16="http://schemas.microsoft.com/office/drawing/2014/main" id="{95D59949-280F-43AA-8DA0-8BCC418455C6}"/>
               </a:ext>
             </a:extLst>
@@ -6226,6 +6330,805 @@
     <p:extLst>
       <p:ext uri="{BB962C8B-B14F-4D97-AF65-F5344CB8AC3E}">
         <p14:creationId xmlns:p14="http://schemas.microsoft.com/office/powerpoint/2010/main" val="1905028392"/>
+      </p:ext>
+    </p:extLst>
+  </p:cSld>
+  <p:clrMapOvr>
+    <a:masterClrMapping/>
+  </p:clrMapOvr>
+</p:sld>
+</file>
+
+<file path=ppt/slides/slide15.xml><?xml version="1.0" encoding="utf-8"?>
+<p:sld xmlns:a="http://schemas.openxmlformats.org/drawingml/2006/main" xmlns:r="http://schemas.openxmlformats.org/officeDocument/2006/relationships" xmlns:p="http://schemas.openxmlformats.org/presentationml/2006/main">
+  <p:cSld>
+    <p:spTree>
+      <p:nvGrpSpPr>
+        <p:cNvPr id="1" name=""/>
+        <p:cNvGrpSpPr/>
+        <p:nvPr/>
+      </p:nvGrpSpPr>
+      <p:grpSpPr>
+        <a:xfrm>
+          <a:off x="0" y="0"/>
+          <a:ext cx="0" cy="0"/>
+          <a:chOff x="0" y="0"/>
+          <a:chExt cx="0" cy="0"/>
+        </a:xfrm>
+      </p:grpSpPr>
+      <p:sp>
+        <p:nvSpPr>
+          <p:cNvPr id="2" name="Title 1">
+            <a:extLst>
+              <a:ext uri="{FF2B5EF4-FFF2-40B4-BE49-F238E27FC236}">
+                <a16:creationId xmlns:a16="http://schemas.microsoft.com/office/drawing/2014/main" id="{95D59949-280F-43AA-8DA0-8BCC418455C6}"/>
+              </a:ext>
+            </a:extLst>
+          </p:cNvPr>
+          <p:cNvSpPr>
+            <a:spLocks noGrp="1"/>
+          </p:cNvSpPr>
+          <p:nvPr>
+            <p:ph type="title"/>
+          </p:nvPr>
+        </p:nvSpPr>
+        <p:spPr/>
+        <p:txBody>
+          <a:bodyPr>
+            <a:normAutofit/>
+          </a:bodyPr>
+          <a:lstStyle/>
+          <a:p>
+            <a:r>
+              <a:rPr lang="en-US" sz="3200" b="0" i="0" dirty="0">
+                <a:effectLst/>
+                <a:latin typeface="Slack-Lato"/>
+              </a:rPr>
+              <a:t>Comparing high crime holidays and full moon</a:t>
+            </a:r>
+            <a:endParaRPr lang="en-US" sz="3200" dirty="0"/>
+          </a:p>
+        </p:txBody>
+      </p:sp>
+      <p:sp>
+        <p:nvSpPr>
+          <p:cNvPr id="4" name="Content Placeholder 3">
+            <a:extLst>
+              <a:ext uri="{FF2B5EF4-FFF2-40B4-BE49-F238E27FC236}">
+                <a16:creationId xmlns:a16="http://schemas.microsoft.com/office/drawing/2014/main" id="{237D400C-391F-1040-B25C-80BDF5942ED4}"/>
+              </a:ext>
+            </a:extLst>
+          </p:cNvPr>
+          <p:cNvSpPr>
+            <a:spLocks noGrp="1"/>
+          </p:cNvSpPr>
+          <p:nvPr>
+            <p:ph idx="1"/>
+          </p:nvPr>
+        </p:nvSpPr>
+        <p:spPr>
+          <a:xfrm>
+            <a:off x="685801" y="2142067"/>
+            <a:ext cx="10432142" cy="3649133"/>
+          </a:xfrm>
+        </p:spPr>
+        <p:txBody>
+          <a:bodyPr>
+            <a:normAutofit/>
+          </a:bodyPr>
+          <a:lstStyle/>
+          <a:p>
+            <a:r>
+              <a:rPr lang="en-US" sz="2400" dirty="0"/>
+              <a:t>Data was selected over 3 years (2015-2017) for four months with important holidays:</a:t>
+            </a:r>
+          </a:p>
+          <a:p>
+            <a:pPr lvl="1"/>
+            <a:r>
+              <a:rPr lang="en-US" sz="2000" dirty="0"/>
+              <a:t>January –New Years</a:t>
+            </a:r>
+          </a:p>
+          <a:p>
+            <a:pPr lvl="1"/>
+            <a:r>
+              <a:rPr lang="en-US" sz="2000" dirty="0"/>
+              <a:t>July – 4</a:t>
+            </a:r>
+            <a:r>
+              <a:rPr lang="en-US" sz="2000" baseline="30000" dirty="0"/>
+              <a:t>th</a:t>
+            </a:r>
+            <a:r>
+              <a:rPr lang="en-US" sz="2000" dirty="0"/>
+              <a:t> of July</a:t>
+            </a:r>
+          </a:p>
+          <a:p>
+            <a:pPr lvl="1"/>
+            <a:r>
+              <a:rPr lang="en-US" sz="2000" dirty="0"/>
+              <a:t>October  - Halloween</a:t>
+            </a:r>
+          </a:p>
+          <a:p>
+            <a:pPr lvl="1"/>
+            <a:r>
+              <a:rPr lang="en-US" sz="2000" dirty="0"/>
+              <a:t>December  - Christmas</a:t>
+            </a:r>
+          </a:p>
+          <a:p>
+            <a:r>
+              <a:rPr lang="en-US" sz="2400" dirty="0"/>
+              <a:t>Data was analyzed to see if there was a correlation between the holidays, the full moon and crime reports</a:t>
+            </a:r>
+          </a:p>
+        </p:txBody>
+      </p:sp>
+    </p:spTree>
+    <p:extLst>
+      <p:ext uri="{BB962C8B-B14F-4D97-AF65-F5344CB8AC3E}">
+        <p14:creationId xmlns:p14="http://schemas.microsoft.com/office/powerpoint/2010/main" val="86104319"/>
+      </p:ext>
+    </p:extLst>
+  </p:cSld>
+  <p:clrMapOvr>
+    <a:masterClrMapping/>
+  </p:clrMapOvr>
+</p:sld>
+</file>
+
+<file path=ppt/slides/slide16.xml><?xml version="1.0" encoding="utf-8"?>
+<p:sld xmlns:a="http://schemas.openxmlformats.org/drawingml/2006/main" xmlns:r="http://schemas.openxmlformats.org/officeDocument/2006/relationships" xmlns:p="http://schemas.openxmlformats.org/presentationml/2006/main">
+  <p:cSld>
+    <p:spTree>
+      <p:nvGrpSpPr>
+        <p:cNvPr id="1" name=""/>
+        <p:cNvGrpSpPr/>
+        <p:nvPr/>
+      </p:nvGrpSpPr>
+      <p:grpSpPr>
+        <a:xfrm>
+          <a:off x="0" y="0"/>
+          <a:ext cx="0" cy="0"/>
+          <a:chOff x="0" y="0"/>
+          <a:chExt cx="0" cy="0"/>
+        </a:xfrm>
+      </p:grpSpPr>
+      <p:sp>
+        <p:nvSpPr>
+          <p:cNvPr id="2" name="Title 1">
+            <a:extLst>
+              <a:ext uri="{FF2B5EF4-FFF2-40B4-BE49-F238E27FC236}">
+                <a16:creationId xmlns:a16="http://schemas.microsoft.com/office/drawing/2014/main" id="{95D59949-280F-43AA-8DA0-8BCC418455C6}"/>
+              </a:ext>
+            </a:extLst>
+          </p:cNvPr>
+          <p:cNvSpPr>
+            <a:spLocks noGrp="1"/>
+          </p:cNvSpPr>
+          <p:nvPr>
+            <p:ph type="title"/>
+          </p:nvPr>
+        </p:nvSpPr>
+        <p:spPr/>
+        <p:txBody>
+          <a:bodyPr>
+            <a:normAutofit/>
+          </a:bodyPr>
+          <a:lstStyle/>
+          <a:p>
+            <a:r>
+              <a:rPr lang="en-US" sz="3200" b="0" i="0" dirty="0">
+                <a:effectLst/>
+                <a:latin typeface="Slack-Lato"/>
+              </a:rPr>
+              <a:t>Comparing high crime holidays and Full moon</a:t>
+            </a:r>
+            <a:endParaRPr lang="en-US" sz="3200" dirty="0"/>
+          </a:p>
+        </p:txBody>
+      </p:sp>
+      <p:pic>
+        <p:nvPicPr>
+          <p:cNvPr id="5" name="Content Placeholder 4" descr="Graphical user interface, application&#10;&#10;Description automatically generated">
+            <a:extLst>
+              <a:ext uri="{FF2B5EF4-FFF2-40B4-BE49-F238E27FC236}">
+                <a16:creationId xmlns:a16="http://schemas.microsoft.com/office/drawing/2014/main" id="{ADE2B374-553A-9F4F-BA68-20850A121087}"/>
+              </a:ext>
+            </a:extLst>
+          </p:cNvPr>
+          <p:cNvPicPr>
+            <a:picLocks noGrp="1" noChangeAspect="1"/>
+          </p:cNvPicPr>
+          <p:nvPr>
+            <p:ph idx="1"/>
+          </p:nvPr>
+        </p:nvPicPr>
+        <p:blipFill>
+          <a:blip r:embed="rId2"/>
+          <a:stretch>
+            <a:fillRect/>
+          </a:stretch>
+        </p:blipFill>
+        <p:spPr>
+          <a:xfrm>
+            <a:off x="685801" y="2065867"/>
+            <a:ext cx="6246828" cy="3657600"/>
+          </a:xfrm>
+          <a:solidFill>
+            <a:schemeClr val="tx1"/>
+          </a:solidFill>
+        </p:spPr>
+      </p:pic>
+      <p:sp>
+        <p:nvSpPr>
+          <p:cNvPr id="3" name="TextBox 2">
+            <a:extLst>
+              <a:ext uri="{FF2B5EF4-FFF2-40B4-BE49-F238E27FC236}">
+                <a16:creationId xmlns:a16="http://schemas.microsoft.com/office/drawing/2014/main" id="{0A4E97E8-59BE-684B-B5CB-D73B37E605B7}"/>
+              </a:ext>
+            </a:extLst>
+          </p:cNvPr>
+          <p:cNvSpPr txBox="1"/>
+          <p:nvPr/>
+        </p:nvSpPr>
+        <p:spPr>
+          <a:xfrm>
+            <a:off x="7590972" y="2065867"/>
+            <a:ext cx="3352800" cy="3046988"/>
+          </a:xfrm>
+          <a:prstGeom prst="rect">
+            <a:avLst/>
+          </a:prstGeom>
+          <a:noFill/>
+        </p:spPr>
+        <p:txBody>
+          <a:bodyPr wrap="square" rtlCol="0">
+            <a:spAutoFit/>
+          </a:bodyPr>
+          <a:lstStyle/>
+          <a:p>
+            <a:pPr marL="285750" indent="-285750">
+              <a:buFont typeface="Arial" panose="020B0604020202020204" pitchFamily="34" charset="0"/>
+              <a:buChar char="•"/>
+            </a:pPr>
+            <a:r>
+              <a:rPr lang="en-US" sz="2400" dirty="0"/>
+              <a:t>When comparting New Years (1</a:t>
+            </a:r>
+            <a:r>
+              <a:rPr lang="en-US" sz="2400" baseline="30000" dirty="0"/>
+              <a:t>st</a:t>
+            </a:r>
+            <a:r>
+              <a:rPr lang="en-US" sz="2400" dirty="0"/>
+              <a:t> of January) the crimes reported were above 400</a:t>
+            </a:r>
+          </a:p>
+          <a:p>
+            <a:pPr marL="285750" indent="-285750">
+              <a:buFont typeface="Arial" panose="020B0604020202020204" pitchFamily="34" charset="0"/>
+              <a:buChar char="•"/>
+            </a:pPr>
+            <a:r>
+              <a:rPr lang="en-US" sz="2400" dirty="0"/>
+              <a:t>The days the full moon was out the crime rate reports varied randomly</a:t>
+            </a:r>
+          </a:p>
+        </p:txBody>
+      </p:sp>
+    </p:spTree>
+    <p:extLst>
+      <p:ext uri="{BB962C8B-B14F-4D97-AF65-F5344CB8AC3E}">
+        <p14:creationId xmlns:p14="http://schemas.microsoft.com/office/powerpoint/2010/main" val="373404331"/>
+      </p:ext>
+    </p:extLst>
+  </p:cSld>
+  <p:clrMapOvr>
+    <a:masterClrMapping/>
+  </p:clrMapOvr>
+</p:sld>
+</file>
+
+<file path=ppt/slides/slide17.xml><?xml version="1.0" encoding="utf-8"?>
+<p:sld xmlns:a="http://schemas.openxmlformats.org/drawingml/2006/main" xmlns:r="http://schemas.openxmlformats.org/officeDocument/2006/relationships" xmlns:p="http://schemas.openxmlformats.org/presentationml/2006/main">
+  <p:cSld>
+    <p:spTree>
+      <p:nvGrpSpPr>
+        <p:cNvPr id="1" name=""/>
+        <p:cNvGrpSpPr/>
+        <p:nvPr/>
+      </p:nvGrpSpPr>
+      <p:grpSpPr>
+        <a:xfrm>
+          <a:off x="0" y="0"/>
+          <a:ext cx="0" cy="0"/>
+          <a:chOff x="0" y="0"/>
+          <a:chExt cx="0" cy="0"/>
+        </a:xfrm>
+      </p:grpSpPr>
+      <p:sp>
+        <p:nvSpPr>
+          <p:cNvPr id="2" name="Title 1">
+            <a:extLst>
+              <a:ext uri="{FF2B5EF4-FFF2-40B4-BE49-F238E27FC236}">
+                <a16:creationId xmlns:a16="http://schemas.microsoft.com/office/drawing/2014/main" id="{95D59949-280F-43AA-8DA0-8BCC418455C6}"/>
+              </a:ext>
+            </a:extLst>
+          </p:cNvPr>
+          <p:cNvSpPr>
+            <a:spLocks noGrp="1"/>
+          </p:cNvSpPr>
+          <p:nvPr>
+            <p:ph type="title"/>
+          </p:nvPr>
+        </p:nvSpPr>
+        <p:spPr/>
+        <p:txBody>
+          <a:bodyPr>
+            <a:normAutofit/>
+          </a:bodyPr>
+          <a:lstStyle/>
+          <a:p>
+            <a:r>
+              <a:rPr lang="en-US" sz="3200" b="0" i="0" dirty="0">
+                <a:effectLst/>
+                <a:latin typeface="Slack-Lato"/>
+              </a:rPr>
+              <a:t>Comparing high crime holidays and full moon</a:t>
+            </a:r>
+            <a:endParaRPr lang="en-US" sz="3200" dirty="0"/>
+          </a:p>
+        </p:txBody>
+      </p:sp>
+      <p:pic>
+        <p:nvPicPr>
+          <p:cNvPr id="9" name="Content Placeholder 8" descr="Graphical user interface, application&#10;&#10;Description automatically generated with medium confidence">
+            <a:extLst>
+              <a:ext uri="{FF2B5EF4-FFF2-40B4-BE49-F238E27FC236}">
+                <a16:creationId xmlns:a16="http://schemas.microsoft.com/office/drawing/2014/main" id="{E6B4DD0D-C8DB-F348-8AF5-E6D9AC7445B1}"/>
+              </a:ext>
+            </a:extLst>
+          </p:cNvPr>
+          <p:cNvPicPr>
+            <a:picLocks noGrp="1" noChangeAspect="1"/>
+          </p:cNvPicPr>
+          <p:nvPr>
+            <p:ph idx="1"/>
+          </p:nvPr>
+        </p:nvPicPr>
+        <p:blipFill>
+          <a:blip r:embed="rId2"/>
+          <a:stretch>
+            <a:fillRect/>
+          </a:stretch>
+        </p:blipFill>
+        <p:spPr>
+          <a:xfrm>
+            <a:off x="685801" y="2065867"/>
+            <a:ext cx="5882101" cy="3649662"/>
+          </a:xfrm>
+          <a:solidFill>
+            <a:schemeClr val="tx1"/>
+          </a:solidFill>
+        </p:spPr>
+      </p:pic>
+      <p:sp>
+        <p:nvSpPr>
+          <p:cNvPr id="10" name="TextBox 9">
+            <a:extLst>
+              <a:ext uri="{FF2B5EF4-FFF2-40B4-BE49-F238E27FC236}">
+                <a16:creationId xmlns:a16="http://schemas.microsoft.com/office/drawing/2014/main" id="{6137D893-DDB5-FB47-8F58-ED821C456F0C}"/>
+              </a:ext>
+            </a:extLst>
+          </p:cNvPr>
+          <p:cNvSpPr txBox="1"/>
+          <p:nvPr/>
+        </p:nvSpPr>
+        <p:spPr>
+          <a:xfrm>
+            <a:off x="7344229" y="2065867"/>
+            <a:ext cx="3352800" cy="3785652"/>
+          </a:xfrm>
+          <a:prstGeom prst="rect">
+            <a:avLst/>
+          </a:prstGeom>
+          <a:noFill/>
+        </p:spPr>
+        <p:txBody>
+          <a:bodyPr wrap="square" rtlCol="0">
+            <a:spAutoFit/>
+          </a:bodyPr>
+          <a:lstStyle/>
+          <a:p>
+            <a:pPr marL="285750" indent="-285750">
+              <a:buFont typeface="Arial" panose="020B0604020202020204" pitchFamily="34" charset="0"/>
+              <a:buChar char="•"/>
+            </a:pPr>
+            <a:r>
+              <a:rPr lang="en-US" sz="2400" dirty="0"/>
+              <a:t>There was no crime correlation for 4</a:t>
+            </a:r>
+            <a:r>
+              <a:rPr lang="en-US" sz="2400" baseline="30000" dirty="0"/>
+              <a:t>th</a:t>
+            </a:r>
+            <a:r>
+              <a:rPr lang="en-US" sz="2400" dirty="0"/>
+              <a:t> of July (American independence day)</a:t>
+            </a:r>
+          </a:p>
+          <a:p>
+            <a:pPr marL="285750" indent="-285750">
+              <a:buFont typeface="Arial" panose="020B0604020202020204" pitchFamily="34" charset="0"/>
+              <a:buChar char="•"/>
+            </a:pPr>
+            <a:r>
+              <a:rPr lang="en-US" sz="2400" dirty="0"/>
+              <a:t>Crime reports were higher on the 1</a:t>
+            </a:r>
+            <a:r>
+              <a:rPr lang="en-US" sz="2400" baseline="30000" dirty="0"/>
+              <a:t>st</a:t>
+            </a:r>
+            <a:r>
+              <a:rPr lang="en-US" sz="2400" dirty="0"/>
+              <a:t> of the month</a:t>
+            </a:r>
+          </a:p>
+          <a:p>
+            <a:pPr marL="285750" indent="-285750">
+              <a:buFont typeface="Arial" panose="020B0604020202020204" pitchFamily="34" charset="0"/>
+              <a:buChar char="•"/>
+            </a:pPr>
+            <a:r>
+              <a:rPr lang="en-US" sz="2400" dirty="0"/>
+              <a:t>The reported crimes varied on the days of full moon </a:t>
+            </a:r>
+          </a:p>
+        </p:txBody>
+      </p:sp>
+    </p:spTree>
+    <p:extLst>
+      <p:ext uri="{BB962C8B-B14F-4D97-AF65-F5344CB8AC3E}">
+        <p14:creationId xmlns:p14="http://schemas.microsoft.com/office/powerpoint/2010/main" val="3955146142"/>
+      </p:ext>
+    </p:extLst>
+  </p:cSld>
+  <p:clrMapOvr>
+    <a:masterClrMapping/>
+  </p:clrMapOvr>
+</p:sld>
+</file>
+
+<file path=ppt/slides/slide18.xml><?xml version="1.0" encoding="utf-8"?>
+<p:sld xmlns:a="http://schemas.openxmlformats.org/drawingml/2006/main" xmlns:r="http://schemas.openxmlformats.org/officeDocument/2006/relationships" xmlns:p="http://schemas.openxmlformats.org/presentationml/2006/main">
+  <p:cSld>
+    <p:spTree>
+      <p:nvGrpSpPr>
+        <p:cNvPr id="1" name=""/>
+        <p:cNvGrpSpPr/>
+        <p:nvPr/>
+      </p:nvGrpSpPr>
+      <p:grpSpPr>
+        <a:xfrm>
+          <a:off x="0" y="0"/>
+          <a:ext cx="0" cy="0"/>
+          <a:chOff x="0" y="0"/>
+          <a:chExt cx="0" cy="0"/>
+        </a:xfrm>
+      </p:grpSpPr>
+      <p:sp>
+        <p:nvSpPr>
+          <p:cNvPr id="2" name="Title 1">
+            <a:extLst>
+              <a:ext uri="{FF2B5EF4-FFF2-40B4-BE49-F238E27FC236}">
+                <a16:creationId xmlns:a16="http://schemas.microsoft.com/office/drawing/2014/main" id="{95D59949-280F-43AA-8DA0-8BCC418455C6}"/>
+              </a:ext>
+            </a:extLst>
+          </p:cNvPr>
+          <p:cNvSpPr>
+            <a:spLocks noGrp="1"/>
+          </p:cNvSpPr>
+          <p:nvPr>
+            <p:ph type="title"/>
+          </p:nvPr>
+        </p:nvSpPr>
+        <p:spPr/>
+        <p:txBody>
+          <a:bodyPr>
+            <a:normAutofit/>
+          </a:bodyPr>
+          <a:lstStyle/>
+          <a:p>
+            <a:r>
+              <a:rPr lang="en-US" sz="3200" b="0" i="0" dirty="0">
+                <a:effectLst/>
+                <a:latin typeface="Slack-Lato"/>
+              </a:rPr>
+              <a:t>Comparing high crime holidays and full moon</a:t>
+            </a:r>
+            <a:endParaRPr lang="en-US" sz="3200" dirty="0"/>
+          </a:p>
+        </p:txBody>
+      </p:sp>
+      <p:pic>
+        <p:nvPicPr>
+          <p:cNvPr id="6" name="Content Placeholder 5" descr="A picture containing shape&#10;&#10;Description automatically generated">
+            <a:extLst>
+              <a:ext uri="{FF2B5EF4-FFF2-40B4-BE49-F238E27FC236}">
+                <a16:creationId xmlns:a16="http://schemas.microsoft.com/office/drawing/2014/main" id="{3D742373-C084-814A-AE05-1CFA75FA8967}"/>
+              </a:ext>
+            </a:extLst>
+          </p:cNvPr>
+          <p:cNvPicPr>
+            <a:picLocks noGrp="1" noChangeAspect="1"/>
+          </p:cNvPicPr>
+          <p:nvPr>
+            <p:ph idx="1"/>
+          </p:nvPr>
+        </p:nvPicPr>
+        <p:blipFill>
+          <a:blip r:embed="rId2"/>
+          <a:stretch>
+            <a:fillRect/>
+          </a:stretch>
+        </p:blipFill>
+        <p:spPr>
+          <a:xfrm>
+            <a:off x="685801" y="1909309"/>
+            <a:ext cx="6270896" cy="3649662"/>
+          </a:xfrm>
+          <a:solidFill>
+            <a:schemeClr val="tx1"/>
+          </a:solidFill>
+        </p:spPr>
+      </p:pic>
+      <p:sp>
+        <p:nvSpPr>
+          <p:cNvPr id="8" name="TextBox 7">
+            <a:extLst>
+              <a:ext uri="{FF2B5EF4-FFF2-40B4-BE49-F238E27FC236}">
+                <a16:creationId xmlns:a16="http://schemas.microsoft.com/office/drawing/2014/main" id="{01DE470B-ABC4-4740-93FE-B274579067C0}"/>
+              </a:ext>
+            </a:extLst>
+          </p:cNvPr>
+          <p:cNvSpPr txBox="1"/>
+          <p:nvPr/>
+        </p:nvSpPr>
+        <p:spPr>
+          <a:xfrm>
+            <a:off x="7718290" y="1914147"/>
+            <a:ext cx="3352800" cy="4154984"/>
+          </a:xfrm>
+          <a:prstGeom prst="rect">
+            <a:avLst/>
+          </a:prstGeom>
+          <a:noFill/>
+        </p:spPr>
+        <p:txBody>
+          <a:bodyPr wrap="square" rtlCol="0">
+            <a:spAutoFit/>
+          </a:bodyPr>
+          <a:lstStyle/>
+          <a:p>
+            <a:pPr marL="285750" indent="-285750">
+              <a:buFont typeface="Arial" panose="020B0604020202020204" pitchFamily="34" charset="0"/>
+              <a:buChar char="•"/>
+            </a:pPr>
+            <a:r>
+              <a:rPr lang="en-US" sz="2400" dirty="0"/>
+              <a:t>When compared to Halloween (October 31</a:t>
+            </a:r>
+            <a:r>
+              <a:rPr lang="en-US" sz="2400" baseline="30000" dirty="0"/>
+              <a:t>st</a:t>
+            </a:r>
+            <a:r>
+              <a:rPr lang="en-US" sz="2400" dirty="0"/>
+              <a:t>) there was a high crime trend for the years 2015 and 2016 but not 2017</a:t>
+            </a:r>
+          </a:p>
+          <a:p>
+            <a:pPr marL="285750" indent="-285750">
+              <a:buFont typeface="Arial" panose="020B0604020202020204" pitchFamily="34" charset="0"/>
+              <a:buChar char="•"/>
+            </a:pPr>
+            <a:r>
+              <a:rPr lang="en-US" sz="2400" dirty="0"/>
+              <a:t>Crimes reported  were high on the first of the month</a:t>
+            </a:r>
+          </a:p>
+          <a:p>
+            <a:pPr marL="285750" indent="-285750">
+              <a:buFont typeface="Arial" panose="020B0604020202020204" pitchFamily="34" charset="0"/>
+              <a:buChar char="•"/>
+            </a:pPr>
+            <a:r>
+              <a:rPr lang="en-US" sz="2400" dirty="0"/>
+              <a:t>The days the full moon showed no trend</a:t>
+            </a:r>
+          </a:p>
+        </p:txBody>
+      </p:sp>
+    </p:spTree>
+    <p:extLst>
+      <p:ext uri="{BB962C8B-B14F-4D97-AF65-F5344CB8AC3E}">
+        <p14:creationId xmlns:p14="http://schemas.microsoft.com/office/powerpoint/2010/main" val="155600189"/>
+      </p:ext>
+    </p:extLst>
+  </p:cSld>
+  <p:clrMapOvr>
+    <a:masterClrMapping/>
+  </p:clrMapOvr>
+</p:sld>
+</file>
+
+<file path=ppt/slides/slide19.xml><?xml version="1.0" encoding="utf-8"?>
+<p:sld xmlns:a="http://schemas.openxmlformats.org/drawingml/2006/main" xmlns:r="http://schemas.openxmlformats.org/officeDocument/2006/relationships" xmlns:p="http://schemas.openxmlformats.org/presentationml/2006/main">
+  <p:cSld>
+    <p:spTree>
+      <p:nvGrpSpPr>
+        <p:cNvPr id="1" name=""/>
+        <p:cNvGrpSpPr/>
+        <p:nvPr/>
+      </p:nvGrpSpPr>
+      <p:grpSpPr>
+        <a:xfrm>
+          <a:off x="0" y="0"/>
+          <a:ext cx="0" cy="0"/>
+          <a:chOff x="0" y="0"/>
+          <a:chExt cx="0" cy="0"/>
+        </a:xfrm>
+      </p:grpSpPr>
+      <p:sp>
+        <p:nvSpPr>
+          <p:cNvPr id="2" name="Title 1">
+            <a:extLst>
+              <a:ext uri="{FF2B5EF4-FFF2-40B4-BE49-F238E27FC236}">
+                <a16:creationId xmlns:a16="http://schemas.microsoft.com/office/drawing/2014/main" id="{95D59949-280F-43AA-8DA0-8BCC418455C6}"/>
+              </a:ext>
+            </a:extLst>
+          </p:cNvPr>
+          <p:cNvSpPr>
+            <a:spLocks noGrp="1"/>
+          </p:cNvSpPr>
+          <p:nvPr>
+            <p:ph type="title"/>
+          </p:nvPr>
+        </p:nvSpPr>
+        <p:spPr/>
+        <p:txBody>
+          <a:bodyPr>
+            <a:normAutofit/>
+          </a:bodyPr>
+          <a:lstStyle/>
+          <a:p>
+            <a:r>
+              <a:rPr lang="en-US" sz="3200" b="0" i="0" dirty="0">
+                <a:effectLst/>
+                <a:latin typeface="Slack-Lato"/>
+              </a:rPr>
+              <a:t>Comparing high crime holidays and full moon</a:t>
+            </a:r>
+            <a:endParaRPr lang="en-US" sz="3200" dirty="0"/>
+          </a:p>
+        </p:txBody>
+      </p:sp>
+      <p:pic>
+        <p:nvPicPr>
+          <p:cNvPr id="6" name="Content Placeholder 5" descr="Graphical user interface, application&#10;&#10;Description automatically generated">
+            <a:extLst>
+              <a:ext uri="{FF2B5EF4-FFF2-40B4-BE49-F238E27FC236}">
+                <a16:creationId xmlns:a16="http://schemas.microsoft.com/office/drawing/2014/main" id="{AABB4EA8-5387-BD4B-A182-4E2E68A3E1C5}"/>
+              </a:ext>
+            </a:extLst>
+          </p:cNvPr>
+          <p:cNvPicPr>
+            <a:picLocks noGrp="1" noChangeAspect="1"/>
+          </p:cNvPicPr>
+          <p:nvPr>
+            <p:ph idx="1"/>
+          </p:nvPr>
+        </p:nvPicPr>
+        <p:blipFill>
+          <a:blip r:embed="rId2"/>
+          <a:stretch>
+            <a:fillRect/>
+          </a:stretch>
+        </p:blipFill>
+        <p:spPr>
+          <a:xfrm>
+            <a:off x="685801" y="2065867"/>
+            <a:ext cx="6484107" cy="3649662"/>
+          </a:xfrm>
+          <a:solidFill>
+            <a:schemeClr val="tx1"/>
+          </a:solidFill>
+        </p:spPr>
+      </p:pic>
+      <p:sp>
+        <p:nvSpPr>
+          <p:cNvPr id="8" name="TextBox 7">
+            <a:extLst>
+              <a:ext uri="{FF2B5EF4-FFF2-40B4-BE49-F238E27FC236}">
+                <a16:creationId xmlns:a16="http://schemas.microsoft.com/office/drawing/2014/main" id="{45272294-9412-DD43-B5DE-54CB66A9AE03}"/>
+              </a:ext>
+            </a:extLst>
+          </p:cNvPr>
+          <p:cNvSpPr txBox="1"/>
+          <p:nvPr/>
+        </p:nvSpPr>
+        <p:spPr>
+          <a:xfrm>
+            <a:off x="7590972" y="2065867"/>
+            <a:ext cx="3352800" cy="3785652"/>
+          </a:xfrm>
+          <a:prstGeom prst="rect">
+            <a:avLst/>
+          </a:prstGeom>
+          <a:noFill/>
+        </p:spPr>
+        <p:txBody>
+          <a:bodyPr wrap="square" rtlCol="0">
+            <a:spAutoFit/>
+          </a:bodyPr>
+          <a:lstStyle/>
+          <a:p>
+            <a:pPr marL="285750" indent="-285750">
+              <a:buFont typeface="Arial" panose="020B0604020202020204" pitchFamily="34" charset="0"/>
+              <a:buChar char="•"/>
+            </a:pPr>
+            <a:r>
+              <a:rPr lang="en-US" sz="2400" dirty="0"/>
+              <a:t>Crime reports decreased around Christmas (25</a:t>
+            </a:r>
+            <a:r>
+              <a:rPr lang="en-US" sz="2400" baseline="30000" dirty="0"/>
+              <a:t>th</a:t>
+            </a:r>
+            <a:r>
+              <a:rPr lang="en-US" sz="2400" dirty="0"/>
+              <a:t> December)</a:t>
+            </a:r>
+          </a:p>
+          <a:p>
+            <a:pPr marL="285750" indent="-285750">
+              <a:buFont typeface="Arial" panose="020B0604020202020204" pitchFamily="34" charset="0"/>
+              <a:buChar char="•"/>
+            </a:pPr>
+            <a:r>
+              <a:rPr lang="en-US" sz="2400" dirty="0"/>
+              <a:t>Crime reporting rates were higher on the 1</a:t>
+            </a:r>
+            <a:r>
+              <a:rPr lang="en-US" sz="2400" baseline="30000" dirty="0"/>
+              <a:t>st</a:t>
+            </a:r>
+            <a:r>
+              <a:rPr lang="en-US" sz="2400" dirty="0"/>
+              <a:t> of the month</a:t>
+            </a:r>
+          </a:p>
+          <a:p>
+            <a:pPr marL="285750" indent="-285750">
+              <a:buFont typeface="Arial" panose="020B0604020202020204" pitchFamily="34" charset="0"/>
+              <a:buChar char="•"/>
+            </a:pPr>
+            <a:r>
+              <a:rPr lang="en-US" sz="2400" dirty="0"/>
+              <a:t>There was no relation between the full moon and crimes reported </a:t>
+            </a:r>
+          </a:p>
+        </p:txBody>
+      </p:sp>
+    </p:spTree>
+    <p:extLst>
+      <p:ext uri="{BB962C8B-B14F-4D97-AF65-F5344CB8AC3E}">
+        <p14:creationId xmlns:p14="http://schemas.microsoft.com/office/powerpoint/2010/main" val="3232841496"/>
       </p:ext>
     </p:extLst>
   </p:cSld>
@@ -6433,6 +7336,139 @@
 </p:sld>
 </file>
 
+<file path=ppt/slides/slide20.xml><?xml version="1.0" encoding="utf-8"?>
+<p:sld xmlns:a="http://schemas.openxmlformats.org/drawingml/2006/main" xmlns:r="http://schemas.openxmlformats.org/officeDocument/2006/relationships" xmlns:p="http://schemas.openxmlformats.org/presentationml/2006/main">
+  <p:cSld>
+    <p:spTree>
+      <p:nvGrpSpPr>
+        <p:cNvPr id="1" name=""/>
+        <p:cNvGrpSpPr/>
+        <p:nvPr/>
+      </p:nvGrpSpPr>
+      <p:grpSpPr>
+        <a:xfrm>
+          <a:off x="0" y="0"/>
+          <a:ext cx="0" cy="0"/>
+          <a:chOff x="0" y="0"/>
+          <a:chExt cx="0" cy="0"/>
+        </a:xfrm>
+      </p:grpSpPr>
+      <p:sp>
+        <p:nvSpPr>
+          <p:cNvPr id="2" name="Title 1">
+            <a:extLst>
+              <a:ext uri="{FF2B5EF4-FFF2-40B4-BE49-F238E27FC236}">
+                <a16:creationId xmlns:a16="http://schemas.microsoft.com/office/drawing/2014/main" id="{95D59949-280F-43AA-8DA0-8BCC418455C6}"/>
+              </a:ext>
+            </a:extLst>
+          </p:cNvPr>
+          <p:cNvSpPr>
+            <a:spLocks noGrp="1"/>
+          </p:cNvSpPr>
+          <p:nvPr>
+            <p:ph type="title"/>
+          </p:nvPr>
+        </p:nvSpPr>
+        <p:spPr/>
+        <p:txBody>
+          <a:bodyPr>
+            <a:normAutofit/>
+          </a:bodyPr>
+          <a:lstStyle/>
+          <a:p>
+            <a:r>
+              <a:rPr lang="en-US" sz="3200" b="0" i="0" dirty="0">
+                <a:effectLst/>
+                <a:latin typeface="Slack-Lato"/>
+              </a:rPr>
+              <a:t>Comparing high crime holidays and full moon</a:t>
+            </a:r>
+            <a:endParaRPr lang="en-US" sz="3200" dirty="0"/>
+          </a:p>
+        </p:txBody>
+      </p:sp>
+      <p:sp>
+        <p:nvSpPr>
+          <p:cNvPr id="4" name="Content Placeholder 3">
+            <a:extLst>
+              <a:ext uri="{FF2B5EF4-FFF2-40B4-BE49-F238E27FC236}">
+                <a16:creationId xmlns:a16="http://schemas.microsoft.com/office/drawing/2014/main" id="{237D400C-391F-1040-B25C-80BDF5942ED4}"/>
+              </a:ext>
+            </a:extLst>
+          </p:cNvPr>
+          <p:cNvSpPr>
+            <a:spLocks noGrp="1"/>
+          </p:cNvSpPr>
+          <p:nvPr>
+            <p:ph idx="1"/>
+          </p:nvPr>
+        </p:nvSpPr>
+        <p:spPr>
+          <a:xfrm>
+            <a:off x="685801" y="2142067"/>
+            <a:ext cx="10432142" cy="3649133"/>
+          </a:xfrm>
+        </p:spPr>
+        <p:txBody>
+          <a:bodyPr>
+            <a:normAutofit/>
+          </a:bodyPr>
+          <a:lstStyle/>
+          <a:p>
+            <a:r>
+              <a:rPr lang="en-US" sz="2400" b="1" dirty="0"/>
+              <a:t>There was no correlation between the full moon and crime reported</a:t>
+            </a:r>
+          </a:p>
+          <a:p>
+            <a:r>
+              <a:rPr lang="en-US" sz="2400" dirty="0"/>
+              <a:t>Crimes reported were highest for 1</a:t>
+            </a:r>
+            <a:r>
+              <a:rPr lang="en-US" sz="2400" baseline="30000" dirty="0"/>
+              <a:t>st</a:t>
+            </a:r>
+            <a:r>
+              <a:rPr lang="en-US" sz="2400" dirty="0"/>
+              <a:t> of January for all years chosen</a:t>
+            </a:r>
+          </a:p>
+          <a:p>
+            <a:r>
+              <a:rPr lang="en-US" sz="2400" dirty="0"/>
+              <a:t>There was an overall increase in the crime reports on the 1</a:t>
+            </a:r>
+            <a:r>
+              <a:rPr lang="en-US" sz="2400" baseline="30000" dirty="0"/>
+              <a:t>st</a:t>
+            </a:r>
+            <a:r>
+              <a:rPr lang="en-US" sz="2400" dirty="0"/>
+              <a:t> of the months chosen</a:t>
+            </a:r>
+          </a:p>
+          <a:p>
+            <a:r>
+              <a:rPr lang="en-US" sz="2400" dirty="0"/>
+              <a:t>Crime reports decreased during Christmas time</a:t>
+            </a:r>
+          </a:p>
+        </p:txBody>
+      </p:sp>
+    </p:spTree>
+    <p:extLst>
+      <p:ext uri="{BB962C8B-B14F-4D97-AF65-F5344CB8AC3E}">
+        <p14:creationId xmlns:p14="http://schemas.microsoft.com/office/powerpoint/2010/main" val="2492173261"/>
+      </p:ext>
+    </p:extLst>
+  </p:cSld>
+  <p:clrMapOvr>
+    <a:masterClrMapping/>
+  </p:clrMapOvr>
+</p:sld>
+</file>
+
 <file path=ppt/slides/slide3.xml><?xml version="1.0" encoding="utf-8"?>
 <p:sld xmlns:a="http://schemas.openxmlformats.org/drawingml/2006/main" xmlns:r="http://schemas.openxmlformats.org/officeDocument/2006/relationships" xmlns:p="http://schemas.openxmlformats.org/presentationml/2006/main">
   <p:cSld>
@@ -6509,7 +7545,7 @@
                 <a:effectLst/>
                 <a:latin typeface="Slack-Lato"/>
               </a:rPr>
-              <a:t>Our project is to uncover patterns in criminal activity in Austin with the various moon phases. Covering data between 20XX to 2021. We'll examine relationships between types of crime and moon phase; crime rates and moon phase; and related questions, as the data admits.</a:t>
+              <a:t>Our project is to uncover patterns in criminal activity in Austin with the various moon phases. Covering data between 2014 to 2021. We'll examine relationships between types of crime and moon phase; crime rates and moon phase; and related questions, as the data admits.</a:t>
             </a:r>
             <a:endParaRPr lang="en-US" sz="2800" dirty="0"/>
           </a:p>
@@ -6741,7 +7777,7 @@
                 <a:effectLst/>
                 <a:latin typeface="Slack-Lato"/>
               </a:rPr>
-              <a:t>summary statistics</a:t>
+              <a:t>DATA Analysis</a:t>
             </a:r>
             <a:endParaRPr lang="en-US" dirty="0"/>
           </a:p>
@@ -6768,14 +7804,46 @@
           <a:bodyPr/>
           <a:lstStyle/>
           <a:p>
-            <a:endParaRPr lang="en-US"/>
+            <a:r>
+              <a:rPr lang="en-US" dirty="0"/>
+              <a:t>The crime data API was collected from </a:t>
+            </a:r>
+            <a:r>
+              <a:rPr lang="en-US" dirty="0">
+                <a:hlinkClick r:id="rId2"/>
+              </a:rPr>
+              <a:t>https://data.austintexas.gov/Public-Safety/Crime-Reports/</a:t>
+            </a:r>
+            <a:r>
+              <a:rPr lang="en-US" dirty="0"/>
+              <a:t> for years 2014 to 2021 </a:t>
+            </a:r>
+          </a:p>
+          <a:p>
+            <a:r>
+              <a:rPr lang="en-US" dirty="0"/>
+              <a:t>A .csv file was created for the moon phase data by putting the data collected for moon phase and time in excel and save from link </a:t>
+            </a:r>
+            <a:r>
+              <a:rPr lang="en-US" dirty="0">
+                <a:hlinkClick r:id="rId3"/>
+              </a:rPr>
+              <a:t>https://www.calendar-12.com/moon_phases/</a:t>
+            </a:r>
+            <a:endParaRPr lang="en-US" dirty="0"/>
+          </a:p>
+          <a:p>
+            <a:endParaRPr lang="en-US" dirty="0"/>
+          </a:p>
+          <a:p>
+            <a:endParaRPr lang="en-US" dirty="0"/>
           </a:p>
         </p:txBody>
       </p:sp>
     </p:spTree>
     <p:extLst>
       <p:ext uri="{BB962C8B-B14F-4D97-AF65-F5344CB8AC3E}">
-        <p14:creationId xmlns:p14="http://schemas.microsoft.com/office/powerpoint/2010/main" val="234087467"/>
+        <p14:creationId xmlns:p14="http://schemas.microsoft.com/office/powerpoint/2010/main" val="1787882738"/>
       </p:ext>
     </p:extLst>
   </p:cSld>
@@ -6807,7 +7875,7 @@
           <p:cNvPr id="2" name="Title 1">
             <a:extLst>
               <a:ext uri="{FF2B5EF4-FFF2-40B4-BE49-F238E27FC236}">
-                <a16:creationId xmlns:a16="http://schemas.microsoft.com/office/drawing/2014/main" id="{5EBFE8FF-2B16-4F99-A093-EE0640E6A27F}"/>
+                <a16:creationId xmlns:a16="http://schemas.microsoft.com/office/drawing/2014/main" id="{C53DAE22-F20D-4474-86BD-1FD9535930EB}"/>
               </a:ext>
             </a:extLst>
           </p:cNvPr>
@@ -6828,7 +7896,7 @@
                 <a:effectLst/>
                 <a:latin typeface="Slack-Lato"/>
               </a:rPr>
-              <a:t>major crimes vs total number of reports for a day</a:t>
+              <a:t>summary statistics</a:t>
             </a:r>
             <a:endParaRPr lang="en-US" dirty="0"/>
           </a:p>
@@ -6839,7 +7907,7 @@
           <p:cNvPr id="3" name="Content Placeholder 2">
             <a:extLst>
               <a:ext uri="{FF2B5EF4-FFF2-40B4-BE49-F238E27FC236}">
-                <a16:creationId xmlns:a16="http://schemas.microsoft.com/office/drawing/2014/main" id="{3545B7BE-E626-4E3D-9F36-6FBF512F0CC4}"/>
+                <a16:creationId xmlns:a16="http://schemas.microsoft.com/office/drawing/2014/main" id="{3FC08B26-83D5-484F-A2AB-7598AC5DB742}"/>
               </a:ext>
             </a:extLst>
           </p:cNvPr>
@@ -6862,7 +7930,7 @@
     </p:spTree>
     <p:extLst>
       <p:ext uri="{BB962C8B-B14F-4D97-AF65-F5344CB8AC3E}">
-        <p14:creationId xmlns:p14="http://schemas.microsoft.com/office/powerpoint/2010/main" val="2979767590"/>
+        <p14:creationId xmlns:p14="http://schemas.microsoft.com/office/powerpoint/2010/main" val="234087467"/>
       </p:ext>
     </p:extLst>
   </p:cSld>
@@ -6894,7 +7962,7 @@
           <p:cNvPr id="2" name="Title 1">
             <a:extLst>
               <a:ext uri="{FF2B5EF4-FFF2-40B4-BE49-F238E27FC236}">
-                <a16:creationId xmlns:a16="http://schemas.microsoft.com/office/drawing/2014/main" id="{357D5493-E7F1-412B-A9BA-2DF226C21DD5}"/>
+                <a16:creationId xmlns:a16="http://schemas.microsoft.com/office/drawing/2014/main" id="{5EBFE8FF-2B16-4F99-A093-EE0640E6A27F}"/>
               </a:ext>
             </a:extLst>
           </p:cNvPr>
@@ -6915,7 +7983,7 @@
                 <a:effectLst/>
                 <a:latin typeface="Slack-Lato"/>
               </a:rPr>
-              <a:t>graphical representation of moon phase cycle and number of crime reports by day</a:t>
+              <a:t>major crimes vs total number of reports for a day</a:t>
             </a:r>
             <a:endParaRPr lang="en-US" dirty="0"/>
           </a:p>
@@ -6926,7 +7994,7 @@
           <p:cNvPr id="3" name="Content Placeholder 2">
             <a:extLst>
               <a:ext uri="{FF2B5EF4-FFF2-40B4-BE49-F238E27FC236}">
-                <a16:creationId xmlns:a16="http://schemas.microsoft.com/office/drawing/2014/main" id="{35B83C3F-CC5C-48DC-ACC3-A4A67037DFDB}"/>
+                <a16:creationId xmlns:a16="http://schemas.microsoft.com/office/drawing/2014/main" id="{3545B7BE-E626-4E3D-9F36-6FBF512F0CC4}"/>
               </a:ext>
             </a:extLst>
           </p:cNvPr>
@@ -6942,35 +8010,14 @@
           <a:bodyPr/>
           <a:lstStyle/>
           <a:p>
-            <a:br>
-              <a:rPr lang="en-US" dirty="0"/>
-            </a:br>
-            <a:br>
-              <a:rPr lang="en-US" dirty="0"/>
-            </a:br>
-            <a:br>
-              <a:rPr lang="en-US" dirty="0"/>
-            </a:br>
-            <a:br>
-              <a:rPr lang="en-US" dirty="0"/>
-            </a:br>
-            <a:br>
-              <a:rPr lang="en-US" dirty="0"/>
-            </a:br>
-            <a:br>
-              <a:rPr lang="en-US" dirty="0"/>
-            </a:br>
-            <a:br>
-              <a:rPr lang="en-US" dirty="0"/>
-            </a:br>
-            <a:endParaRPr lang="en-US" dirty="0"/>
+            <a:endParaRPr lang="en-US"/>
           </a:p>
         </p:txBody>
       </p:sp>
     </p:spTree>
     <p:extLst>
       <p:ext uri="{BB962C8B-B14F-4D97-AF65-F5344CB8AC3E}">
-        <p14:creationId xmlns:p14="http://schemas.microsoft.com/office/powerpoint/2010/main" val="1272027447"/>
+        <p14:creationId xmlns:p14="http://schemas.microsoft.com/office/powerpoint/2010/main" val="2979767590"/>
       </p:ext>
     </p:extLst>
   </p:cSld>
@@ -7002,7 +8049,7 @@
           <p:cNvPr id="2" name="Title 1">
             <a:extLst>
               <a:ext uri="{FF2B5EF4-FFF2-40B4-BE49-F238E27FC236}">
-                <a16:creationId xmlns:a16="http://schemas.microsoft.com/office/drawing/2014/main" id="{460DC741-F272-49E7-9612-DEA67F56623D}"/>
+                <a16:creationId xmlns:a16="http://schemas.microsoft.com/office/drawing/2014/main" id="{357D5493-E7F1-412B-A9BA-2DF226C21DD5}"/>
               </a:ext>
             </a:extLst>
           </p:cNvPr>
@@ -7023,7 +8070,7 @@
                 <a:effectLst/>
                 <a:latin typeface="Slack-Lato"/>
               </a:rPr>
-              <a:t>whisker plot of moon phase and crime to check for outliers</a:t>
+              <a:t>graphical representation of moon phase cycle and number of crime reports by day</a:t>
             </a:r>
             <a:endParaRPr lang="en-US" dirty="0"/>
           </a:p>
@@ -7034,7 +8081,7 @@
           <p:cNvPr id="3" name="Content Placeholder 2">
             <a:extLst>
               <a:ext uri="{FF2B5EF4-FFF2-40B4-BE49-F238E27FC236}">
-                <a16:creationId xmlns:a16="http://schemas.microsoft.com/office/drawing/2014/main" id="{7482E290-D741-4C19-A0CF-CE0CA97A3242}"/>
+                <a16:creationId xmlns:a16="http://schemas.microsoft.com/office/drawing/2014/main" id="{35B83C3F-CC5C-48DC-ACC3-A4A67037DFDB}"/>
               </a:ext>
             </a:extLst>
           </p:cNvPr>
@@ -7050,14 +8097,35 @@
           <a:bodyPr/>
           <a:lstStyle/>
           <a:p>
-            <a:endParaRPr lang="en-US"/>
+            <a:br>
+              <a:rPr lang="en-US" dirty="0"/>
+            </a:br>
+            <a:br>
+              <a:rPr lang="en-US" dirty="0"/>
+            </a:br>
+            <a:br>
+              <a:rPr lang="en-US" dirty="0"/>
+            </a:br>
+            <a:br>
+              <a:rPr lang="en-US" dirty="0"/>
+            </a:br>
+            <a:br>
+              <a:rPr lang="en-US" dirty="0"/>
+            </a:br>
+            <a:br>
+              <a:rPr lang="en-US" dirty="0"/>
+            </a:br>
+            <a:br>
+              <a:rPr lang="en-US" dirty="0"/>
+            </a:br>
+            <a:endParaRPr lang="en-US" dirty="0"/>
           </a:p>
         </p:txBody>
       </p:sp>
     </p:spTree>
     <p:extLst>
       <p:ext uri="{BB962C8B-B14F-4D97-AF65-F5344CB8AC3E}">
-        <p14:creationId xmlns:p14="http://schemas.microsoft.com/office/powerpoint/2010/main" val="3537809091"/>
+        <p14:creationId xmlns:p14="http://schemas.microsoft.com/office/powerpoint/2010/main" val="1272027447"/>
       </p:ext>
     </p:extLst>
   </p:cSld>
@@ -7089,7 +8157,7 @@
           <p:cNvPr id="2" name="Title 1">
             <a:extLst>
               <a:ext uri="{FF2B5EF4-FFF2-40B4-BE49-F238E27FC236}">
-                <a16:creationId xmlns:a16="http://schemas.microsoft.com/office/drawing/2014/main" id="{AA88A5F4-9F3C-4D83-85B6-F91D19F7CA56}"/>
+                <a16:creationId xmlns:a16="http://schemas.microsoft.com/office/drawing/2014/main" id="{460DC741-F272-49E7-9612-DEA67F56623D}"/>
               </a:ext>
             </a:extLst>
           </p:cNvPr>
@@ -7102,9 +8170,7 @@
         </p:nvSpPr>
         <p:spPr/>
         <p:txBody>
-          <a:bodyPr>
-            <a:normAutofit fontScale="90000"/>
-          </a:bodyPr>
+          <a:bodyPr/>
           <a:lstStyle/>
           <a:p>
             <a:r>
@@ -7112,11 +8178,8 @@
                 <a:effectLst/>
                 <a:latin typeface="Slack-Lato"/>
               </a:rPr>
-              <a:t>compare violent crime and nonviolent crime trends to see if one or the other changes with moon phase</a:t>
-            </a:r>
-            <a:br>
-              <a:rPr lang="en-US" dirty="0"/>
-            </a:br>
+              <a:t>whisker plot of moon phase and crime to check for outliers</a:t>
+            </a:r>
             <a:endParaRPr lang="en-US" dirty="0"/>
           </a:p>
         </p:txBody>
@@ -7126,7 +8189,7 @@
           <p:cNvPr id="3" name="Content Placeholder 2">
             <a:extLst>
               <a:ext uri="{FF2B5EF4-FFF2-40B4-BE49-F238E27FC236}">
-                <a16:creationId xmlns:a16="http://schemas.microsoft.com/office/drawing/2014/main" id="{8A0FA189-5163-4F15-A6ED-B066DA6DFDC5}"/>
+                <a16:creationId xmlns:a16="http://schemas.microsoft.com/office/drawing/2014/main" id="{7482E290-D741-4C19-A0CF-CE0CA97A3242}"/>
               </a:ext>
             </a:extLst>
           </p:cNvPr>
@@ -7142,14 +8205,14 @@
           <a:bodyPr/>
           <a:lstStyle/>
           <a:p>
-            <a:endParaRPr lang="en-US" dirty="0"/>
+            <a:endParaRPr lang="en-US"/>
           </a:p>
         </p:txBody>
       </p:sp>
     </p:spTree>
     <p:extLst>
       <p:ext uri="{BB962C8B-B14F-4D97-AF65-F5344CB8AC3E}">
-        <p14:creationId xmlns:p14="http://schemas.microsoft.com/office/powerpoint/2010/main" val="205302426"/>
+        <p14:creationId xmlns:p14="http://schemas.microsoft.com/office/powerpoint/2010/main" val="3537809091"/>
       </p:ext>
     </p:extLst>
   </p:cSld>
